--- a/UpdatePresentations/Presentation10-13-EOM_and_Code.pptx
+++ b/UpdatePresentations/Presentation10-13-EOM_and_Code.pptx
@@ -19,6 +19,7 @@
     <p:sldId id="268" r:id="rId13"/>
     <p:sldId id="269" r:id="rId14"/>
     <p:sldId id="270" r:id="rId15"/>
+    <p:sldId id="271" r:id="rId16"/>
   </p:sldIdLst>
   <p:sldSz cx="12192000" cy="6858000"/>
   <p:notesSz cx="6858000" cy="9144000"/>
@@ -117,6 +118,11 @@
       </a:defRPr>
     </a:lvl9pPr>
   </p:defaultTextStyle>
+  <p:extLst>
+    <p:ext uri="{EFAFB233-063F-42B5-8137-9DF3F51BA10A}">
+      <p15:sldGuideLst xmlns:p15="http://schemas.microsoft.com/office/powerpoint/2012/main"/>
+    </p:ext>
+  </p:extLst>
 </p:presentation>
 </file>
 
@@ -267,7 +273,7 @@
           <a:p>
             <a:fld id="{A4C46309-CBBF-43B3-AA2C-9DBA180C5E08}" type="datetimeFigureOut">
               <a:rPr lang="en-US" smtClean="0"/>
-              <a:t>10/7/2023</a:t>
+              <a:t>10/12/2023</a:t>
             </a:fld>
             <a:endParaRPr lang="en-US"/>
           </a:p>
@@ -465,7 +471,7 @@
           <a:p>
             <a:fld id="{A4C46309-CBBF-43B3-AA2C-9DBA180C5E08}" type="datetimeFigureOut">
               <a:rPr lang="en-US" smtClean="0"/>
-              <a:t>10/7/2023</a:t>
+              <a:t>10/12/2023</a:t>
             </a:fld>
             <a:endParaRPr lang="en-US"/>
           </a:p>
@@ -673,7 +679,7 @@
           <a:p>
             <a:fld id="{A4C46309-CBBF-43B3-AA2C-9DBA180C5E08}" type="datetimeFigureOut">
               <a:rPr lang="en-US" smtClean="0"/>
-              <a:t>10/7/2023</a:t>
+              <a:t>10/12/2023</a:t>
             </a:fld>
             <a:endParaRPr lang="en-US"/>
           </a:p>
@@ -871,7 +877,7 @@
           <a:p>
             <a:fld id="{A4C46309-CBBF-43B3-AA2C-9DBA180C5E08}" type="datetimeFigureOut">
               <a:rPr lang="en-US" smtClean="0"/>
-              <a:t>10/7/2023</a:t>
+              <a:t>10/12/2023</a:t>
             </a:fld>
             <a:endParaRPr lang="en-US"/>
           </a:p>
@@ -1146,7 +1152,7 @@
           <a:p>
             <a:fld id="{A4C46309-CBBF-43B3-AA2C-9DBA180C5E08}" type="datetimeFigureOut">
               <a:rPr lang="en-US" smtClean="0"/>
-              <a:t>10/7/2023</a:t>
+              <a:t>10/12/2023</a:t>
             </a:fld>
             <a:endParaRPr lang="en-US"/>
           </a:p>
@@ -1411,7 +1417,7 @@
           <a:p>
             <a:fld id="{A4C46309-CBBF-43B3-AA2C-9DBA180C5E08}" type="datetimeFigureOut">
               <a:rPr lang="en-US" smtClean="0"/>
-              <a:t>10/7/2023</a:t>
+              <a:t>10/12/2023</a:t>
             </a:fld>
             <a:endParaRPr lang="en-US"/>
           </a:p>
@@ -1823,7 +1829,7 @@
           <a:p>
             <a:fld id="{A4C46309-CBBF-43B3-AA2C-9DBA180C5E08}" type="datetimeFigureOut">
               <a:rPr lang="en-US" smtClean="0"/>
-              <a:t>10/7/2023</a:t>
+              <a:t>10/12/2023</a:t>
             </a:fld>
             <a:endParaRPr lang="en-US"/>
           </a:p>
@@ -1964,7 +1970,7 @@
           <a:p>
             <a:fld id="{A4C46309-CBBF-43B3-AA2C-9DBA180C5E08}" type="datetimeFigureOut">
               <a:rPr lang="en-US" smtClean="0"/>
-              <a:t>10/7/2023</a:t>
+              <a:t>10/12/2023</a:t>
             </a:fld>
             <a:endParaRPr lang="en-US"/>
           </a:p>
@@ -2077,7 +2083,7 @@
           <a:p>
             <a:fld id="{A4C46309-CBBF-43B3-AA2C-9DBA180C5E08}" type="datetimeFigureOut">
               <a:rPr lang="en-US" smtClean="0"/>
-              <a:t>10/7/2023</a:t>
+              <a:t>10/12/2023</a:t>
             </a:fld>
             <a:endParaRPr lang="en-US"/>
           </a:p>
@@ -2388,7 +2394,7 @@
           <a:p>
             <a:fld id="{A4C46309-CBBF-43B3-AA2C-9DBA180C5E08}" type="datetimeFigureOut">
               <a:rPr lang="en-US" smtClean="0"/>
-              <a:t>10/7/2023</a:t>
+              <a:t>10/12/2023</a:t>
             </a:fld>
             <a:endParaRPr lang="en-US"/>
           </a:p>
@@ -2676,7 +2682,7 @@
           <a:p>
             <a:fld id="{A4C46309-CBBF-43B3-AA2C-9DBA180C5E08}" type="datetimeFigureOut">
               <a:rPr lang="en-US" smtClean="0"/>
-              <a:t>10/7/2023</a:t>
+              <a:t>10/12/2023</a:t>
             </a:fld>
             <a:endParaRPr lang="en-US"/>
           </a:p>
@@ -2917,7 +2923,7 @@
           <a:p>
             <a:fld id="{A4C46309-CBBF-43B3-AA2C-9DBA180C5E08}" type="datetimeFigureOut">
               <a:rPr lang="en-US" smtClean="0"/>
-              <a:t>10/7/2023</a:t>
+              <a:t>10/12/2023</a:t>
             </a:fld>
             <a:endParaRPr lang="en-US"/>
           </a:p>
@@ -5713,6 +5719,154 @@
 </p:sld>
 </file>
 
+<file path=ppt/slides/slide15.xml><?xml version="1.0" encoding="utf-8"?>
+<p:sld xmlns:a="http://schemas.openxmlformats.org/drawingml/2006/main" xmlns:r="http://schemas.openxmlformats.org/officeDocument/2006/relationships" xmlns:p="http://schemas.openxmlformats.org/presentationml/2006/main">
+  <p:cSld>
+    <p:spTree>
+      <p:nvGrpSpPr>
+        <p:cNvPr id="1" name=""/>
+        <p:cNvGrpSpPr/>
+        <p:nvPr/>
+      </p:nvGrpSpPr>
+      <p:grpSpPr>
+        <a:xfrm>
+          <a:off x="0" y="0"/>
+          <a:ext cx="0" cy="0"/>
+          <a:chOff x="0" y="0"/>
+          <a:chExt cx="0" cy="0"/>
+        </a:xfrm>
+      </p:grpSpPr>
+      <p:sp>
+        <p:nvSpPr>
+          <p:cNvPr id="2" name="Title 1">
+            <a:extLst>
+              <a:ext uri="{FF2B5EF4-FFF2-40B4-BE49-F238E27FC236}">
+                <a16:creationId xmlns:a16="http://schemas.microsoft.com/office/drawing/2014/main" id="{88AEB07E-E171-19D0-70B4-F56119DA0870}"/>
+              </a:ext>
+            </a:extLst>
+          </p:cNvPr>
+          <p:cNvSpPr>
+            <a:spLocks noGrp="1"/>
+          </p:cNvSpPr>
+          <p:nvPr>
+            <p:ph type="title"/>
+          </p:nvPr>
+        </p:nvSpPr>
+        <p:spPr>
+          <a:xfrm>
+            <a:off x="986118" y="125903"/>
+            <a:ext cx="10515600" cy="1325563"/>
+          </a:xfrm>
+        </p:spPr>
+        <p:txBody>
+          <a:bodyPr/>
+          <a:lstStyle/>
+          <a:p>
+            <a:r>
+              <a:rPr lang="en-US" dirty="0"/>
+              <a:t>Flapping with pitch</a:t>
+            </a:r>
+          </a:p>
+        </p:txBody>
+      </p:sp>
+      <p:sp>
+        <p:nvSpPr>
+          <p:cNvPr id="3" name="Content Placeholder 2">
+            <a:extLst>
+              <a:ext uri="{FF2B5EF4-FFF2-40B4-BE49-F238E27FC236}">
+                <a16:creationId xmlns:a16="http://schemas.microsoft.com/office/drawing/2014/main" id="{26C17886-4C15-BAE0-2B4E-8D42EBF6BD04}"/>
+              </a:ext>
+            </a:extLst>
+          </p:cNvPr>
+          <p:cNvSpPr>
+            <a:spLocks noGrp="1"/>
+          </p:cNvSpPr>
+          <p:nvPr>
+            <p:ph idx="1"/>
+          </p:nvPr>
+        </p:nvSpPr>
+        <p:spPr/>
+        <p:txBody>
+          <a:bodyPr/>
+          <a:lstStyle/>
+          <a:p>
+            <a:endParaRPr lang="en-US"/>
+          </a:p>
+        </p:txBody>
+      </p:sp>
+      <p:pic>
+        <p:nvPicPr>
+          <p:cNvPr id="5" name="Picture 4">
+            <a:extLst>
+              <a:ext uri="{FF2B5EF4-FFF2-40B4-BE49-F238E27FC236}">
+                <a16:creationId xmlns:a16="http://schemas.microsoft.com/office/drawing/2014/main" id="{F01BBF13-7197-705F-6E88-7C516C2AD333}"/>
+              </a:ext>
+            </a:extLst>
+          </p:cNvPr>
+          <p:cNvPicPr>
+            <a:picLocks noChangeAspect="1"/>
+          </p:cNvPicPr>
+          <p:nvPr/>
+        </p:nvPicPr>
+        <p:blipFill>
+          <a:blip r:embed="rId2"/>
+          <a:stretch>
+            <a:fillRect/>
+          </a:stretch>
+        </p:blipFill>
+        <p:spPr>
+          <a:xfrm>
+            <a:off x="121023" y="1290100"/>
+            <a:ext cx="8212182" cy="4116434"/>
+          </a:xfrm>
+          <a:prstGeom prst="rect">
+            <a:avLst/>
+          </a:prstGeom>
+        </p:spPr>
+      </p:pic>
+      <p:pic>
+        <p:nvPicPr>
+          <p:cNvPr id="7" name="Picture 6">
+            <a:extLst>
+              <a:ext uri="{FF2B5EF4-FFF2-40B4-BE49-F238E27FC236}">
+                <a16:creationId xmlns:a16="http://schemas.microsoft.com/office/drawing/2014/main" id="{6E3AECA4-7E5D-34A2-E486-B2E45004DAAD}"/>
+              </a:ext>
+            </a:extLst>
+          </p:cNvPr>
+          <p:cNvPicPr>
+            <a:picLocks noChangeAspect="1"/>
+          </p:cNvPicPr>
+          <p:nvPr/>
+        </p:nvPicPr>
+        <p:blipFill>
+          <a:blip r:embed="rId3"/>
+          <a:stretch>
+            <a:fillRect/>
+          </a:stretch>
+        </p:blipFill>
+        <p:spPr>
+          <a:xfrm>
+            <a:off x="8384652" y="2151530"/>
+            <a:ext cx="3747531" cy="2812147"/>
+          </a:xfrm>
+          <a:prstGeom prst="rect">
+            <a:avLst/>
+          </a:prstGeom>
+        </p:spPr>
+      </p:pic>
+    </p:spTree>
+    <p:extLst>
+      <p:ext uri="{BB962C8B-B14F-4D97-AF65-F5344CB8AC3E}">
+        <p14:creationId xmlns:p14="http://schemas.microsoft.com/office/powerpoint/2010/main" val="2561439271"/>
+      </p:ext>
+    </p:extLst>
+  </p:cSld>
+  <p:clrMapOvr>
+    <a:masterClrMapping/>
+  </p:clrMapOvr>
+</p:sld>
+</file>
+
 <file path=ppt/slides/slide2.xml><?xml version="1.0" encoding="utf-8"?>
 <p:sld xmlns:a="http://schemas.openxmlformats.org/drawingml/2006/main" xmlns:r="http://schemas.openxmlformats.org/officeDocument/2006/relationships" xmlns:p="http://schemas.openxmlformats.org/presentationml/2006/main">
   <p:cSld>
